--- a/汇报/第三周工作汇报.pptx
+++ b/汇报/第三周工作汇报.pptx
@@ -315,7 +315,7 @@
           <a:p>
             <a:fld id="{ECD19FB2-3AAB-4D03-B13A-2960828C78E3}" type="datetimeFigureOut">
               <a:rPr lang="en-US" dirty="0"/>
-              <a:t>3/18/16</a:t>
+              <a:t>3/25/16</a:t>
             </a:fld>
             <a:endParaRPr lang="en-US" dirty="0"/>
           </a:p>
@@ -596,7 +596,7 @@
           <a:p>
             <a:fld id="{1B80C674-7DFC-42FE-B9CD-82963CDB1557}" type="datetimeFigureOut">
               <a:rPr lang="en-US" dirty="0"/>
-              <a:t>3/18/16</a:t>
+              <a:t>3/25/16</a:t>
             </a:fld>
             <a:endParaRPr lang="en-US" dirty="0"/>
           </a:p>
@@ -787,7 +787,7 @@
           <a:p>
             <a:fld id="{2076456F-F47D-4F25-8053-2A695DA0CA7D}" type="datetimeFigureOut">
               <a:rPr lang="en-US" dirty="0"/>
-              <a:t>3/18/16</a:t>
+              <a:t>3/25/16</a:t>
             </a:fld>
             <a:endParaRPr lang="en-US" dirty="0"/>
           </a:p>
@@ -1047,7 +1047,7 @@
           <a:p>
             <a:fld id="{5D6C7379-69CC-4837-9905-BEBA22830C8A}" type="datetimeFigureOut">
               <a:rPr lang="en-US" dirty="0"/>
-              <a:t>3/18/16</a:t>
+              <a:t>3/25/16</a:t>
             </a:fld>
             <a:endParaRPr lang="en-US" dirty="0"/>
           </a:p>
@@ -1472,7 +1472,7 @@
           <a:p>
             <a:fld id="{49EB8B7E-8AEE-4F10-BFEE-C999AD004D36}" type="datetimeFigureOut">
               <a:rPr lang="en-US" dirty="0"/>
-              <a:t>3/18/16</a:t>
+              <a:t>3/25/16</a:t>
             </a:fld>
             <a:endParaRPr lang="en-US" dirty="0"/>
           </a:p>
@@ -2017,7 +2017,7 @@
           <a:p>
             <a:fld id="{8668F3F9-58BC-440B-B37B-805B9055EF92}" type="datetimeFigureOut">
               <a:rPr lang="en-US" dirty="0"/>
-              <a:t>3/18/16</a:t>
+              <a:t>3/25/16</a:t>
             </a:fld>
             <a:endParaRPr lang="en-US" dirty="0"/>
           </a:p>
@@ -2847,7 +2847,7 @@
           <a:p>
             <a:fld id="{0D5A53AF-48EA-489D-8260-9DCAB666386A}" type="datetimeFigureOut">
               <a:rPr lang="en-US" dirty="0"/>
-              <a:t>3/18/16</a:t>
+              <a:t>3/25/16</a:t>
             </a:fld>
             <a:endParaRPr lang="en-US" dirty="0"/>
           </a:p>
@@ -3016,7 +3016,7 @@
           <a:p>
             <a:fld id="{0DED02AE-B9A4-47BD-AF8E-97E16144138B}" type="datetimeFigureOut">
               <a:rPr lang="en-US" dirty="0"/>
-              <a:t>3/18/16</a:t>
+              <a:t>3/25/16</a:t>
             </a:fld>
             <a:endParaRPr lang="en-US" dirty="0"/>
           </a:p>
@@ -3195,7 +3195,7 @@
           <a:p>
             <a:fld id="{CF0FD78B-DB02-4362-BCDC-98A55456977C}" type="datetimeFigureOut">
               <a:rPr lang="en-US" dirty="0"/>
-              <a:t>3/18/16</a:t>
+              <a:t>3/25/16</a:t>
             </a:fld>
             <a:endParaRPr lang="en-US" dirty="0"/>
           </a:p>
@@ -3364,7 +3364,7 @@
           <a:p>
             <a:fld id="{99916976-5D93-46E4-A98A-FAD63E4D0EA8}" type="datetimeFigureOut">
               <a:rPr lang="en-US" dirty="0"/>
-              <a:t>3/18/16</a:t>
+              <a:t>3/25/16</a:t>
             </a:fld>
             <a:endParaRPr lang="en-US" dirty="0"/>
           </a:p>
@@ -3620,7 +3620,7 @@
           <a:p>
             <a:fld id="{0F39F4F5-F4D2-4D2A-AB60-88D37ADCB869}" type="datetimeFigureOut">
               <a:rPr lang="en-US" dirty="0"/>
-              <a:t>3/18/16</a:t>
+              <a:t>3/25/16</a:t>
             </a:fld>
             <a:endParaRPr lang="en-US" dirty="0"/>
           </a:p>
@@ -3851,7 +3851,7 @@
           <a:p>
             <a:fld id="{D23BC6CE-6D1E-47E5-8859-F31AC5380EB2}" type="datetimeFigureOut">
               <a:rPr lang="en-US" dirty="0"/>
-              <a:t>3/18/16</a:t>
+              <a:t>3/25/16</a:t>
             </a:fld>
             <a:endParaRPr lang="en-US" dirty="0"/>
           </a:p>
@@ -4243,7 +4243,7 @@
           <a:p>
             <a:fld id="{B1B4E7C4-4DA4-404D-9965-B13F2DD7D8BF}" type="datetimeFigureOut">
               <a:rPr lang="en-US" dirty="0"/>
-              <a:t>3/18/16</a:t>
+              <a:t>3/25/16</a:t>
             </a:fld>
             <a:endParaRPr lang="en-US" dirty="0"/>
           </a:p>
@@ -4360,7 +4360,7 @@
           <a:p>
             <a:fld id="{476FB7AA-4A53-424F-AD41-70827B6504BA}" type="datetimeFigureOut">
               <a:rPr lang="en-US" dirty="0"/>
-              <a:t>3/18/16</a:t>
+              <a:t>3/25/16</a:t>
             </a:fld>
             <a:endParaRPr lang="en-US" dirty="0"/>
           </a:p>
@@ -4454,7 +4454,7 @@
           <a:p>
             <a:fld id="{E7884882-FB12-4BC8-9960-9AD8104D7FAE}" type="datetimeFigureOut">
               <a:rPr lang="en-US" dirty="0"/>
-              <a:t>3/18/16</a:t>
+              <a:t>3/25/16</a:t>
             </a:fld>
             <a:endParaRPr lang="en-US" dirty="0"/>
           </a:p>
@@ -4726,7 +4726,7 @@
           <a:p>
             <a:fld id="{F7D1BD23-6E54-4D9D-AD88-A2813C73CC25}" type="datetimeFigureOut">
               <a:rPr lang="en-US" dirty="0"/>
-              <a:t>3/18/16</a:t>
+              <a:t>3/25/16</a:t>
             </a:fld>
             <a:endParaRPr lang="en-US" dirty="0"/>
           </a:p>
@@ -5006,7 +5006,7 @@
           <a:p>
             <a:fld id="{1471A834-4F3C-4AF9-9C74-05EC35A0F292}" type="datetimeFigureOut">
               <a:rPr lang="en-US" dirty="0"/>
-              <a:t>3/18/16</a:t>
+              <a:t>3/25/16</a:t>
             </a:fld>
             <a:endParaRPr lang="en-US" dirty="0"/>
           </a:p>
@@ -5245,7 +5245,7 @@
           <a:p>
             <a:fld id="{51CF1133-3259-4C45-BABA-5B62D9C6F78D}" type="datetimeFigureOut">
               <a:rPr lang="en-US" dirty="0"/>
-              <a:t>3/18/16</a:t>
+              <a:t>3/25/16</a:t>
             </a:fld>
             <a:endParaRPr lang="en-US" dirty="0"/>
           </a:p>
@@ -6085,8 +6085,16 @@
           </a:p>
           <a:p>
             <a:r>
+              <a:rPr kumimoji="1" lang="zh-CN" altLang="en-US" smtClean="0"/>
+              <a:t>确定</a:t>
+            </a:r>
+            <a:r>
+              <a:rPr kumimoji="1" lang="zh-CN" altLang="en-US" smtClean="0"/>
+              <a:t>了主要开发</a:t>
+            </a:r>
+            <a:r>
               <a:rPr kumimoji="1" lang="zh-CN" altLang="en-US" dirty="0" smtClean="0"/>
-              <a:t>确定了开发的方向：对于“野指针”的检测与报错。</a:t>
+              <a:t>的方向：对于“野指针”的检测与报错。</a:t>
             </a:r>
             <a:endParaRPr kumimoji="1" lang="en-US" altLang="zh-CN" dirty="0" smtClean="0"/>
           </a:p>
@@ -6476,11 +6484,7 @@
             </a:r>
             <a:r>
               <a:rPr kumimoji="1" lang="zh-CN" altLang="en-US" dirty="0" smtClean="0"/>
-              <a:t> 释放指针后，无论如何都要置空或</a:t>
-            </a:r>
-            <a:r>
-              <a:rPr kumimoji="1" lang="zh-CN" altLang="en-US" smtClean="0"/>
-              <a:t>一个有效值</a:t>
+              <a:t> 释放指针后，无论如何都要置空或一个有效值</a:t>
             </a:r>
             <a:endParaRPr kumimoji="1" lang="en-US" altLang="zh-CN" dirty="0" smtClean="0"/>
           </a:p>
